--- a/Codes/VFI/VFI_PP.pptx
+++ b/Codes/VFI/VFI_PP.pptx
@@ -4984,7 +4984,15 @@
                 </a:pPr>
                 <a:r>
                   <a:rPr lang="en-CL" dirty="0"/>
-                  <a:t>El código para hacer esto en Matalb está disponible en Github: tauchen.m</a:t>
+                  <a:t>El código para hacer esto </a:t>
+                </a:r>
+                <a:r>
+                  <a:rPr lang="en-CL"/>
+                  <a:t>en Matlab </a:t>
+                </a:r>
+                <a:r>
+                  <a:rPr lang="en-CL" dirty="0"/>
+                  <a:t>está disponible en Github: tauchen.m</a:t>
                 </a:r>
               </a:p>
             </p:txBody>
@@ -5706,7 +5714,7 @@
               <a:blipFill>
                 <a:blip r:embed="rId2"/>
                 <a:stretch>
-                  <a:fillRect l="-1086" t="-2326" r="-1809"/>
+                  <a:fillRect l="-1086" t="-2326" r="-1689"/>
                 </a:stretch>
               </a:blipFill>
             </p:spPr>
